--- a/Priya_Final_Poster.pptx
+++ b/Priya_Final_Poster.pptx
@@ -1757,109 +1757,7 @@
         <p:spPr>
           <a:xfrm>
             <a:off x="914400" y="7543800"/>
-            <a:ext cx="10058400" cy="6530145"/>
-          </a:xfrm>
-        </p:spPr>
-        <p:txBody>
-          <a:bodyPr/>
-          <a:lstStyle/>
-          <a:p>
-            <a:r>
-              <a:rPr lang="en-US" dirty="0">
-                <a:latin typeface="Garamond" panose="02020404030301010803" pitchFamily="18" charset="0"/>
-              </a:rPr>
-              <a:t>Do the tweets of </a:t>
-            </a:r>
-            <a:r>
-              <a:rPr lang="en-US" dirty="0" err="1">
-                <a:latin typeface="Garamond" panose="02020404030301010803" pitchFamily="18" charset="0"/>
-              </a:rPr>
-              <a:t>Pawan</a:t>
-            </a:r>
-            <a:r>
-              <a:rPr lang="en-US" dirty="0">
-                <a:latin typeface="Garamond" panose="02020404030301010803" pitchFamily="18" charset="0"/>
-              </a:rPr>
-              <a:t> </a:t>
-            </a:r>
-            <a:r>
-              <a:rPr lang="en-US" dirty="0" err="1">
-                <a:latin typeface="Garamond" panose="02020404030301010803" pitchFamily="18" charset="0"/>
-              </a:rPr>
-              <a:t>Kalyan</a:t>
-            </a:r>
-            <a:r>
-              <a:rPr lang="en-US" dirty="0">
-                <a:latin typeface="Garamond" panose="02020404030301010803" pitchFamily="18" charset="0"/>
-              </a:rPr>
-              <a:t>, one of the </a:t>
-            </a:r>
-            <a:r>
-              <a:rPr lang="en-US" dirty="0" smtClean="0">
-                <a:latin typeface="Garamond" panose="02020404030301010803" pitchFamily="18" charset="0"/>
-              </a:rPr>
-              <a:t>famous celebrities in </a:t>
-            </a:r>
-            <a:r>
-              <a:rPr lang="en-US" dirty="0">
-                <a:latin typeface="Garamond" panose="02020404030301010803" pitchFamily="18" charset="0"/>
-              </a:rPr>
-              <a:t>Andhra Pradesh, India and his fans resemble each other and whether they share similar styles in their tweets</a:t>
-            </a:r>
-            <a:r>
-              <a:rPr lang="en-US" dirty="0" smtClean="0">
-                <a:latin typeface="Garamond" panose="02020404030301010803" pitchFamily="18" charset="0"/>
-              </a:rPr>
-              <a:t>?</a:t>
-            </a:r>
-            <a:endParaRPr lang="en-US" dirty="0">
-              <a:latin typeface="Garamond" panose="02020404030301010803" pitchFamily="18" charset="0"/>
-            </a:endParaRPr>
-          </a:p>
-        </p:txBody>
-      </p:sp>
-      <p:sp>
-        <p:nvSpPr>
-          <p:cNvPr id="33" name="Text Placeholder 19"/>
-          <p:cNvSpPr>
-            <a:spLocks noGrp="1"/>
-          </p:cNvSpPr>
-          <p:nvPr>
-            <p:ph type="body" sz="quarter" idx="12"/>
-          </p:nvPr>
-        </p:nvSpPr>
-        <p:spPr>
-          <a:xfrm>
-            <a:off x="32918400" y="7543799"/>
-            <a:ext cx="10058400" cy="17350125"/>
-          </a:xfrm>
-        </p:spPr>
-        <p:txBody>
-          <a:bodyPr/>
-          <a:lstStyle/>
-          <a:p>
-            <a:pPr marL="857250" indent="-857250">
-              <a:buFont typeface="Arial" panose="020B0604020202020204" pitchFamily="34" charset="0"/>
-              <a:buChar char="•"/>
-            </a:pPr>
-            <a:endParaRPr lang="en-US" dirty="0"/>
-          </a:p>
-        </p:txBody>
-      </p:sp>
-      <p:sp>
-        <p:nvSpPr>
-          <p:cNvPr id="34" name="Title 21"/>
-          <p:cNvSpPr>
-            <a:spLocks noGrp="1"/>
-          </p:cNvSpPr>
-          <p:nvPr>
-            <p:ph type="ctrTitle"/>
-          </p:nvPr>
-        </p:nvSpPr>
-        <p:spPr>
-          <a:xfrm>
-            <a:off x="4965192" y="669497"/>
-            <a:ext cx="33960816" cy="2560320"/>
+            <a:ext cx="10058400" cy="6244395"/>
           </a:xfrm>
         </p:spPr>
         <p:txBody>
@@ -1869,6 +1767,182 @@
           <a:lstStyle/>
           <a:p>
             <a:r>
+              <a:rPr lang="en-US" sz="6100" dirty="0">
+                <a:latin typeface="Garamond" panose="02020404030301010803" pitchFamily="18" charset="0"/>
+              </a:rPr>
+              <a:t>Do the tweets of </a:t>
+            </a:r>
+            <a:r>
+              <a:rPr lang="en-US" sz="6100" dirty="0" err="1">
+                <a:latin typeface="Garamond" panose="02020404030301010803" pitchFamily="18" charset="0"/>
+              </a:rPr>
+              <a:t>Pawan</a:t>
+            </a:r>
+            <a:r>
+              <a:rPr lang="en-US" sz="6100" dirty="0">
+                <a:latin typeface="Garamond" panose="02020404030301010803" pitchFamily="18" charset="0"/>
+              </a:rPr>
+              <a:t> </a:t>
+            </a:r>
+            <a:r>
+              <a:rPr lang="en-US" sz="6100" dirty="0" err="1">
+                <a:latin typeface="Garamond" panose="02020404030301010803" pitchFamily="18" charset="0"/>
+              </a:rPr>
+              <a:t>Kalyan</a:t>
+            </a:r>
+            <a:r>
+              <a:rPr lang="en-US" sz="6100" dirty="0">
+                <a:latin typeface="Garamond" panose="02020404030301010803" pitchFamily="18" charset="0"/>
+              </a:rPr>
+              <a:t>, one of the p</a:t>
+            </a:r>
+            <a:r>
+              <a:rPr lang="en-US" sz="6100" dirty="0" smtClean="0">
+                <a:latin typeface="Garamond" panose="02020404030301010803" pitchFamily="18" charset="0"/>
+              </a:rPr>
+              <a:t>rominent personalities in </a:t>
+            </a:r>
+            <a:r>
+              <a:rPr lang="en-US" sz="6100" dirty="0">
+                <a:latin typeface="Garamond" panose="02020404030301010803" pitchFamily="18" charset="0"/>
+              </a:rPr>
+              <a:t>Andhra Pradesh, India and his fans resemble each other and whether they share similar styles in their tweets</a:t>
+            </a:r>
+            <a:r>
+              <a:rPr lang="en-US" sz="6100" dirty="0" smtClean="0">
+                <a:latin typeface="Garamond" panose="02020404030301010803" pitchFamily="18" charset="0"/>
+              </a:rPr>
+              <a:t>?</a:t>
+            </a:r>
+            <a:endParaRPr lang="en-US" sz="6100" dirty="0">
+              <a:latin typeface="Garamond" panose="02020404030301010803" pitchFamily="18" charset="0"/>
+            </a:endParaRPr>
+          </a:p>
+        </p:txBody>
+      </p:sp>
+      <p:sp>
+        <p:nvSpPr>
+          <p:cNvPr id="33" name="Text Placeholder 19"/>
+          <p:cNvSpPr>
+            <a:spLocks noGrp="1"/>
+          </p:cNvSpPr>
+          <p:nvPr>
+            <p:ph type="body" sz="quarter" idx="12"/>
+          </p:nvPr>
+        </p:nvSpPr>
+        <p:spPr>
+          <a:xfrm>
+            <a:off x="32918399" y="7636381"/>
+            <a:ext cx="10058400" cy="20750317"/>
+          </a:xfrm>
+        </p:spPr>
+        <p:txBody>
+          <a:bodyPr>
+            <a:normAutofit fontScale="92500" lnSpcReduction="20000"/>
+          </a:bodyPr>
+          <a:lstStyle/>
+          <a:p>
+            <a:pPr marL="857250" indent="-857250">
+              <a:spcBef>
+                <a:spcPts val="3000"/>
+              </a:spcBef>
+              <a:buFont typeface="Arial" panose="020B0604020202020204" pitchFamily="34" charset="0"/>
+              <a:buChar char="•"/>
+            </a:pPr>
+            <a:r>
+              <a:rPr lang="en-US" dirty="0" smtClean="0"/>
+              <a:t>Based on the results presented, there is a clear correlation between the style of the famous </a:t>
+            </a:r>
+            <a:r>
+              <a:rPr lang="en-US" dirty="0"/>
+              <a:t>personalities</a:t>
+            </a:r>
+            <a:r>
+              <a:rPr lang="en-US" dirty="0" smtClean="0"/>
+              <a:t> and his fans.</a:t>
+            </a:r>
+          </a:p>
+          <a:p>
+            <a:pPr marL="857250" indent="-857250">
+              <a:spcBef>
+                <a:spcPts val="3000"/>
+              </a:spcBef>
+              <a:buFont typeface="Arial" panose="020B0604020202020204" pitchFamily="34" charset="0"/>
+              <a:buChar char="•"/>
+            </a:pPr>
+            <a:r>
+              <a:rPr lang="en-US" dirty="0" smtClean="0"/>
+              <a:t>The Sentiment Analysis results of the fans are very close to those of the celebrity, with very negligible differences among each other as well, thus strongly supporting my hypothesis.</a:t>
+            </a:r>
+          </a:p>
+          <a:p>
+            <a:pPr marL="857250" indent="-857250">
+              <a:spcBef>
+                <a:spcPts val="3000"/>
+              </a:spcBef>
+              <a:buFont typeface="Arial" panose="020B0604020202020204" pitchFamily="34" charset="0"/>
+              <a:buChar char="•"/>
+            </a:pPr>
+            <a:r>
+              <a:rPr lang="en-US" dirty="0" smtClean="0"/>
+              <a:t>The Lexical Diversity results of the fans did show a slight increase from those of the celebrity and do not strongly support my hypothesis.</a:t>
+            </a:r>
+          </a:p>
+          <a:p>
+            <a:pPr marL="857250" indent="-857250">
+              <a:spcBef>
+                <a:spcPts val="3000"/>
+              </a:spcBef>
+              <a:buFont typeface="Arial" panose="020B0604020202020204" pitchFamily="34" charset="0"/>
+              <a:buChar char="•"/>
+            </a:pPr>
+            <a:r>
+              <a:rPr lang="en-US" dirty="0" smtClean="0"/>
+              <a:t>However, this variation is only a smaller one and so it can be deduced from the results that, </a:t>
+            </a:r>
+            <a:r>
+              <a:rPr lang="en-US" dirty="0"/>
+              <a:t>the tweets of the prominent personalities</a:t>
+            </a:r>
+            <a:r>
+              <a:rPr lang="en-US" dirty="0" smtClean="0"/>
+              <a:t> </a:t>
+            </a:r>
+            <a:r>
+              <a:rPr lang="en-US" dirty="0"/>
+              <a:t>and those of their </a:t>
+            </a:r>
+            <a:r>
+              <a:rPr lang="en-US" dirty="0" smtClean="0"/>
+              <a:t>fans are similar in most cases with a slightly more diversity in the tweets of the fans when compared to the celebrity.</a:t>
+            </a:r>
+            <a:endParaRPr lang="en-US" dirty="0"/>
+          </a:p>
+        </p:txBody>
+      </p:sp>
+      <p:sp>
+        <p:nvSpPr>
+          <p:cNvPr id="34" name="Title 21"/>
+          <p:cNvSpPr>
+            <a:spLocks noGrp="1"/>
+          </p:cNvSpPr>
+          <p:nvPr>
+            <p:ph type="ctrTitle"/>
+          </p:nvPr>
+        </p:nvSpPr>
+        <p:spPr>
+          <a:xfrm>
+            <a:off x="4965192" y="669497"/>
+            <a:ext cx="33960816" cy="2560320"/>
+          </a:xfrm>
+        </p:spPr>
+        <p:txBody>
+          <a:bodyPr>
+            <a:normAutofit/>
+          </a:bodyPr>
+          <a:lstStyle/>
+          <a:p>
+            <a:r>
               <a:rPr lang="en-US" dirty="0">
                 <a:latin typeface="Helvetica (Headings)"/>
               </a:rPr>
@@ -1926,8 +2000,8 @@
         </p:nvSpPr>
         <p:spPr>
           <a:xfrm>
-            <a:off x="914399" y="20330357"/>
-            <a:ext cx="11838739" cy="12039403"/>
+            <a:off x="914399" y="20070115"/>
+            <a:ext cx="11603479" cy="9181903"/>
           </a:xfrm>
         </p:spPr>
         <p:txBody>
@@ -1948,55 +2022,55 @@
               <a:buChar char="•"/>
             </a:pPr>
             <a:r>
-              <a:rPr lang="en-US" dirty="0" smtClean="0">
+              <a:rPr lang="en-US" sz="6100" dirty="0" smtClean="0">
                 <a:latin typeface="Garamond" panose="02020404030301010803" pitchFamily="18" charset="0"/>
               </a:rPr>
               <a:t>Record </a:t>
             </a:r>
             <a:r>
-              <a:rPr lang="en-US" dirty="0">
+              <a:rPr lang="en-US" sz="6100" dirty="0">
                 <a:latin typeface="Garamond" panose="02020404030301010803" pitchFamily="18" charset="0"/>
               </a:rPr>
               <a:t>all tweets from the twitter account of </a:t>
             </a:r>
             <a:r>
-              <a:rPr lang="en-US" dirty="0" err="1" smtClean="0">
+              <a:rPr lang="en-US" sz="6100" dirty="0" err="1" smtClean="0">
                 <a:latin typeface="Garamond" panose="02020404030301010803" pitchFamily="18" charset="0"/>
               </a:rPr>
               <a:t>PawanKalyan</a:t>
             </a:r>
             <a:r>
-              <a:rPr lang="en-US" dirty="0" smtClean="0">
+              <a:rPr lang="en-US" sz="6100" dirty="0" smtClean="0">
                 <a:latin typeface="Garamond" panose="02020404030301010803" pitchFamily="18" charset="0"/>
               </a:rPr>
               <a:t> and 3 of </a:t>
             </a:r>
             <a:r>
-              <a:rPr lang="en-US" dirty="0">
+              <a:rPr lang="en-US" sz="6100" dirty="0">
                 <a:latin typeface="Garamond" panose="02020404030301010803" pitchFamily="18" charset="0"/>
               </a:rPr>
               <a:t>his fans (PSPKFan2You, </a:t>
             </a:r>
             <a:r>
-              <a:rPr lang="en-US" dirty="0" err="1" smtClean="0">
+              <a:rPr lang="en-US" sz="6100" dirty="0" err="1" smtClean="0">
                 <a:latin typeface="Garamond" panose="02020404030301010803" pitchFamily="18" charset="0"/>
               </a:rPr>
               <a:t>Kapilvarala</a:t>
             </a:r>
             <a:r>
-              <a:rPr lang="en-US" dirty="0">
+              <a:rPr lang="en-US" sz="6100" dirty="0">
                 <a:latin typeface="Garamond" panose="02020404030301010803" pitchFamily="18" charset="0"/>
               </a:rPr>
               <a:t> and </a:t>
             </a:r>
             <a:r>
-              <a:rPr lang="en-US" dirty="0" err="1" smtClean="0">
+              <a:rPr lang="en-US" sz="6100" dirty="0" err="1" smtClean="0">
                 <a:latin typeface="Garamond" panose="02020404030301010803" pitchFamily="18" charset="0"/>
               </a:rPr>
               <a:t>MaheshGinugu</a:t>
             </a:r>
             <a:r>
-              <a:rPr lang="en-US" dirty="0" smtClean="0">
+              <a:rPr lang="en-US" sz="6100" dirty="0" smtClean="0">
                 <a:latin typeface="Garamond" panose="02020404030301010803" pitchFamily="18" charset="0"/>
               </a:rPr>
               <a:t>).</a:t>
@@ -2015,19 +2089,19 @@
               <a:buChar char="•"/>
             </a:pPr>
             <a:r>
-              <a:rPr lang="en-US" dirty="0" smtClean="0">
+              <a:rPr lang="en-US" sz="6100" dirty="0" smtClean="0">
                 <a:latin typeface="Garamond" panose="02020404030301010803" pitchFamily="18" charset="0"/>
               </a:rPr>
               <a:t>Analyze </a:t>
             </a:r>
             <a:r>
-              <a:rPr lang="en-US" dirty="0">
+              <a:rPr lang="en-US" sz="6100" dirty="0">
                 <a:latin typeface="Garamond" panose="02020404030301010803" pitchFamily="18" charset="0"/>
               </a:rPr>
               <a:t>the stored data for lexical </a:t>
             </a:r>
             <a:r>
-              <a:rPr lang="en-US" dirty="0" smtClean="0">
+              <a:rPr lang="en-US" sz="6100" dirty="0" smtClean="0">
                 <a:latin typeface="Garamond" panose="02020404030301010803" pitchFamily="18" charset="0"/>
               </a:rPr>
               <a:t>diversity and sentiment analysis</a:t>
@@ -2046,30 +2120,30 @@
               <a:buChar char="•"/>
             </a:pPr>
             <a:r>
-              <a:rPr lang="en-US" dirty="0">
+              <a:rPr lang="en-US" sz="6100" dirty="0">
                 <a:latin typeface="Garamond" panose="02020404030301010803" pitchFamily="18" charset="0"/>
               </a:rPr>
               <a:t>C</a:t>
             </a:r>
             <a:r>
-              <a:rPr lang="en-US" dirty="0" smtClean="0">
+              <a:rPr lang="en-US" sz="6100" dirty="0" smtClean="0">
                 <a:latin typeface="Garamond" panose="02020404030301010803" pitchFamily="18" charset="0"/>
               </a:rPr>
               <a:t>ompare </a:t>
             </a:r>
             <a:r>
-              <a:rPr lang="en-US" dirty="0">
+              <a:rPr lang="en-US" sz="6100" dirty="0">
                 <a:latin typeface="Garamond" panose="02020404030301010803" pitchFamily="18" charset="0"/>
               </a:rPr>
               <a:t>these analyses and determine if there is a correlation among the tweets</a:t>
             </a:r>
             <a:r>
-              <a:rPr lang="en-US" dirty="0" smtClean="0">
+              <a:rPr lang="en-US" sz="6100" dirty="0" smtClean="0">
                 <a:latin typeface="Garamond" panose="02020404030301010803" pitchFamily="18" charset="0"/>
               </a:rPr>
               <a:t>.</a:t>
             </a:r>
-            <a:endParaRPr lang="en-US" dirty="0">
+            <a:endParaRPr lang="en-US" sz="6100" dirty="0">
               <a:latin typeface="Garamond" panose="02020404030301010803" pitchFamily="18" charset="0"/>
             </a:endParaRPr>
           </a:p>
@@ -2087,7 +2161,7 @@
         </p:nvSpPr>
         <p:spPr>
           <a:xfrm>
-            <a:off x="13167355" y="30088332"/>
+            <a:off x="962427" y="30649802"/>
             <a:ext cx="18379439" cy="2281428"/>
           </a:xfrm>
         </p:spPr>
@@ -2105,26 +2179,17 @@
               <a:buChar char="•"/>
             </a:pPr>
             <a:r>
-              <a:rPr lang="en-US" dirty="0"/>
-              <a:t>Used </a:t>
-            </a:r>
-            <a:r>
-              <a:rPr lang="en-US" dirty="0" smtClean="0"/>
-              <a:t>the Twitter </a:t>
-            </a:r>
-            <a:r>
-              <a:rPr lang="en-US" dirty="0" err="1" smtClean="0"/>
+              <a:rPr lang="en-US" sz="6100" dirty="0" smtClean="0"/>
+              <a:t>Used the Twitter </a:t>
+            </a:r>
+            <a:r>
+              <a:rPr lang="en-US" sz="6100" dirty="0" err="1" smtClean="0"/>
               <a:t>Api</a:t>
             </a:r>
             <a:r>
-              <a:rPr lang="en-US" dirty="0"/>
-              <a:t> </a:t>
-            </a:r>
-            <a:r>
-              <a:rPr lang="en-US" dirty="0" smtClean="0"/>
-              <a:t>for collecting and storing data.</a:t>
-            </a:r>
-            <a:endParaRPr lang="en-US" dirty="0"/>
+              <a:rPr lang="en-US" sz="6100" dirty="0" smtClean="0"/>
+              <a:t> for collecting and storing data.</a:t>
+            </a:r>
           </a:p>
           <a:p>
             <a:pPr marL="857250" indent="-857250">
@@ -2135,14 +2200,14 @@
               <a:buChar char="•"/>
             </a:pPr>
             <a:r>
-              <a:rPr lang="en-US" dirty="0"/>
-              <a:t>Mathplot.lib for plotting bar </a:t>
-            </a:r>
-            <a:r>
-              <a:rPr lang="en-US" dirty="0" smtClean="0"/>
-              <a:t>graph</a:t>
-            </a:r>
-            <a:endParaRPr lang="en-US" dirty="0"/>
+              <a:rPr lang="en-US" sz="6100" dirty="0" smtClean="0"/>
+              <a:t>Mathplot.lib for </a:t>
+            </a:r>
+            <a:r>
+              <a:rPr lang="en-US" sz="6100" smtClean="0"/>
+              <a:t>plotting the bar graphs.</a:t>
+            </a:r>
+            <a:endParaRPr lang="en-US" sz="6100" dirty="0"/>
           </a:p>
         </p:txBody>
       </p:sp>
@@ -2197,12 +2262,12 @@
           <a:lstStyle/>
           <a:p>
             <a:r>
-              <a:rPr lang="en-US" sz="6600" dirty="0">
+              <a:rPr lang="en-US" sz="6100" dirty="0">
                 <a:hlinkClick r:id="rId3"/>
               </a:rPr>
               <a:t>https://github.com/44520-s19/wm-final-project-GallaPriyanka</a:t>
             </a:r>
-            <a:endParaRPr lang="en-US" sz="6600" dirty="0"/>
+            <a:endParaRPr lang="en-US" sz="6100" dirty="0"/>
           </a:p>
         </p:txBody>
       </p:sp>
@@ -2246,36 +2311,38 @@
         </p:nvSpPr>
         <p:spPr>
           <a:xfrm>
-            <a:off x="33110513" y="26127234"/>
-            <a:ext cx="9866286" cy="1981008"/>
-          </a:xfrm>
-        </p:spPr>
-        <p:txBody>
-          <a:bodyPr/>
+            <a:off x="20948951" y="29656396"/>
+            <a:ext cx="9991351" cy="1981008"/>
+          </a:xfrm>
+        </p:spPr>
+        <p:txBody>
+          <a:bodyPr>
+            <a:normAutofit/>
+          </a:bodyPr>
           <a:lstStyle/>
           <a:p>
             <a:r>
-              <a:rPr lang="en-US" dirty="0"/>
+              <a:rPr lang="en-US" sz="6100" dirty="0"/>
               <a:t>Created for </a:t>
             </a:r>
             <a:r>
-              <a:rPr lang="en-US" dirty="0" err="1"/>
+              <a:rPr lang="en-US" sz="6100" dirty="0" err="1"/>
               <a:t>Dr.Nathan</a:t>
             </a:r>
             <a:r>
-              <a:rPr lang="en-US" dirty="0"/>
+              <a:rPr lang="en-US" sz="6100" dirty="0"/>
               <a:t> </a:t>
             </a:r>
             <a:r>
-              <a:rPr lang="en-US" dirty="0" err="1"/>
+              <a:rPr lang="en-US" sz="6100" dirty="0" err="1"/>
               <a:t>Eloe</a:t>
             </a:r>
             <a:r>
-              <a:rPr lang="en-US" dirty="0"/>
+              <a:rPr lang="en-US" sz="6100" dirty="0"/>
               <a:t> for web mining course</a:t>
             </a:r>
             <a:r>
-              <a:rPr lang="en-US" dirty="0" smtClean="0"/>
+              <a:rPr lang="en-US" sz="6100" dirty="0" smtClean="0"/>
               <a:t>.</a:t>
             </a:r>
           </a:p>
@@ -2293,7 +2360,7 @@
         </p:nvSpPr>
         <p:spPr>
           <a:xfrm>
-            <a:off x="33014454" y="24940260"/>
+            <a:off x="20881902" y="28386698"/>
             <a:ext cx="10058401" cy="1143000"/>
           </a:xfrm>
         </p:spPr>
@@ -2384,7 +2451,7 @@
         <p:spPr>
           <a:xfrm>
             <a:off x="13210338" y="7543800"/>
-            <a:ext cx="18379442" cy="21355812"/>
+            <a:ext cx="18379442" cy="20842898"/>
           </a:xfrm>
         </p:spPr>
         <p:txBody>
@@ -2518,7 +2585,7 @@
         </p:nvSpPr>
         <p:spPr>
           <a:xfrm>
-            <a:off x="13210341" y="28922472"/>
+            <a:off x="914399" y="29461345"/>
             <a:ext cx="18379439" cy="1143000"/>
           </a:xfrm>
         </p:spPr>
@@ -2548,7 +2615,7 @@
         </p:nvSpPr>
         <p:spPr>
           <a:xfrm>
-            <a:off x="914400" y="19187357"/>
+            <a:off x="914399" y="18849316"/>
             <a:ext cx="10058400" cy="1143000"/>
           </a:xfrm>
         </p:spPr>
@@ -2590,8 +2657,8 @@
         </p:blipFill>
         <p:spPr>
           <a:xfrm>
-            <a:off x="13167358" y="7543800"/>
-            <a:ext cx="18379442" cy="8229600"/>
+            <a:off x="13167358" y="7543799"/>
+            <a:ext cx="18379442" cy="8915634"/>
           </a:xfrm>
           <a:prstGeom prst="rect">
             <a:avLst/>
@@ -2620,8 +2687,8 @@
         </p:blipFill>
         <p:spPr>
           <a:xfrm>
-            <a:off x="13167355" y="16092825"/>
-            <a:ext cx="18379442" cy="8229600"/>
+            <a:off x="13167357" y="16910977"/>
+            <a:ext cx="18379442" cy="8912445"/>
           </a:xfrm>
           <a:prstGeom prst="rect">
             <a:avLst/>
@@ -2650,7 +2717,7 @@
         </p:blipFill>
         <p:spPr>
           <a:xfrm>
-            <a:off x="16023370" y="24893926"/>
+            <a:off x="16011114" y="25950121"/>
             <a:ext cx="6906700" cy="1615866"/>
           </a:xfrm>
           <a:prstGeom prst="rect">
@@ -2680,7 +2747,7 @@
         </p:blipFill>
         <p:spPr>
           <a:xfrm>
-            <a:off x="24036583" y="24893925"/>
+            <a:off x="23873599" y="25950121"/>
             <a:ext cx="6903720" cy="1615867"/>
           </a:xfrm>
           <a:prstGeom prst="rect">
@@ -2698,7 +2765,7 @@
         </p:nvSpPr>
         <p:spPr>
           <a:xfrm>
-            <a:off x="914400" y="14073945"/>
+            <a:off x="914400" y="13788195"/>
             <a:ext cx="10058400" cy="1143000"/>
           </a:xfrm>
           <a:prstGeom prst="rect">
@@ -2902,7 +2969,7 @@
         </p:nvSpPr>
         <p:spPr>
           <a:xfrm>
-            <a:off x="914401" y="15331875"/>
+            <a:off x="914399" y="14993835"/>
             <a:ext cx="10058400" cy="3855481"/>
           </a:xfrm>
           <a:prstGeom prst="rect">
@@ -3082,12 +3149,24 @@
               <a:buNone/>
             </a:pPr>
             <a:r>
-              <a:rPr lang="en-US" sz="6600" dirty="0" smtClean="0">
+              <a:rPr lang="en-US" sz="6100" dirty="0" smtClean="0">
                 <a:latin typeface="Garamond" panose="02020404030301010803" pitchFamily="18" charset="0"/>
               </a:rPr>
-              <a:t>I believe there will be a correlation between the tweets of the celebrities and those of their fans.</a:t>
-            </a:r>
-            <a:endParaRPr lang="en-US" sz="6600" dirty="0">
+              <a:t>I believe there will be a correlation between the tweets of the </a:t>
+            </a:r>
+            <a:r>
+              <a:rPr lang="en-US" sz="6100" dirty="0">
+                <a:latin typeface="Garamond" panose="02020404030301010803" pitchFamily="18" charset="0"/>
+              </a:rPr>
+              <a:t>prominent personalities</a:t>
+            </a:r>
+            <a:r>
+              <a:rPr lang="en-US" sz="6100" dirty="0" smtClean="0">
+                <a:latin typeface="Garamond" panose="02020404030301010803" pitchFamily="18" charset="0"/>
+              </a:rPr>
+              <a:t> and those of their fans.</a:t>
+            </a:r>
+            <a:endParaRPr lang="en-US" sz="6100" dirty="0">
               <a:latin typeface="Garamond" panose="02020404030301010803" pitchFamily="18" charset="0"/>
             </a:endParaRPr>
           </a:p>

--- a/Priya_Final_Poster.pptx
+++ b/Priya_Final_Poster.pptx
@@ -1313,7 +1313,7 @@
           <a:p>
             <a:fld id="{E695B7AD-C0E4-4106-98F1-A426950388A1}" type="datetimeFigureOut">
               <a:rPr lang="en-US" smtClean="0"/>
-              <a:t>7/1/2019</a:t>
+              <a:t>7/2/2019</a:t>
             </a:fld>
             <a:endParaRPr lang="en-US"/>
           </a:p>
@@ -2398,7 +2398,11 @@
           <a:p>
             <a:r>
               <a:rPr lang="en-US" dirty="0" smtClean="0"/>
-              <a:t>Priyanka Galla</a:t>
+              <a:t>By: Priyanka Galla | Advisor: Dr. Nathan </a:t>
+            </a:r>
+            <a:r>
+              <a:rPr lang="en-US" dirty="0" err="1" smtClean="0"/>
+              <a:t>Eloe</a:t>
             </a:r>
             <a:endParaRPr lang="en-US" dirty="0"/>
           </a:p>
@@ -2426,7 +2430,7 @@
           <a:p>
             <a:r>
               <a:rPr lang="en-US" dirty="0" smtClean="0"/>
-              <a:t>Northwest Missouri State University</a:t>
+              <a:t>Email: s534884@nwmissouri.edu</a:t>
             </a:r>
             <a:endParaRPr lang="en-US" dirty="0"/>
           </a:p>

--- a/Priya_Final_Poster.pptx
+++ b/Priya_Final_Poster.pptx
@@ -2000,7 +2000,7 @@
         </p:nvSpPr>
         <p:spPr>
           <a:xfrm>
-            <a:off x="914399" y="20070115"/>
+            <a:off x="794398" y="22455501"/>
             <a:ext cx="11603479" cy="9181903"/>
           </a:xfrm>
         </p:spPr>
@@ -2151,18 +2151,46 @@
       </p:sp>
       <p:sp>
         <p:nvSpPr>
-          <p:cNvPr id="39" name="Text Placeholder 26"/>
-          <p:cNvSpPr>
-            <a:spLocks noGrp="1"/>
-          </p:cNvSpPr>
-          <p:nvPr>
-            <p:ph type="body" sz="quarter" idx="16"/>
-          </p:nvPr>
-        </p:nvSpPr>
-        <p:spPr>
-          <a:xfrm>
-            <a:off x="962427" y="30649802"/>
-            <a:ext cx="18379439" cy="2281428"/>
+          <p:cNvPr id="40" name="Text Placeholder 27"/>
+          <p:cNvSpPr>
+            <a:spLocks noGrp="1"/>
+          </p:cNvSpPr>
+          <p:nvPr>
+            <p:ph type="body" sz="quarter" idx="19"/>
+          </p:nvPr>
+        </p:nvSpPr>
+        <p:spPr>
+          <a:xfrm>
+            <a:off x="13167358" y="6400800"/>
+            <a:ext cx="18379441" cy="1143000"/>
+          </a:xfrm>
+        </p:spPr>
+        <p:txBody>
+          <a:bodyPr/>
+          <a:lstStyle/>
+          <a:p>
+            <a:r>
+              <a:rPr lang="en-US" dirty="0" smtClean="0"/>
+              <a:t>Results</a:t>
+            </a:r>
+            <a:endParaRPr lang="en-US" dirty="0"/>
+          </a:p>
+        </p:txBody>
+      </p:sp>
+      <p:sp>
+        <p:nvSpPr>
+          <p:cNvPr id="41" name="Text Placeholder 28"/>
+          <p:cNvSpPr>
+            <a:spLocks noGrp="1"/>
+          </p:cNvSpPr>
+          <p:nvPr>
+            <p:ph type="body" sz="quarter" idx="20"/>
+          </p:nvPr>
+        </p:nvSpPr>
+        <p:spPr>
+          <a:xfrm>
+            <a:off x="32918399" y="29512260"/>
+            <a:ext cx="10058400" cy="2857500"/>
           </a:xfrm>
         </p:spPr>
         <p:txBody>
@@ -2171,41 +2199,11 @@
           </a:bodyPr>
           <a:lstStyle/>
           <a:p>
-            <a:pPr marL="857250" indent="-857250">
-              <a:spcBef>
-                <a:spcPts val="0"/>
-              </a:spcBef>
-              <a:buFont typeface="Arial" panose="020B0604020202020204" pitchFamily="34" charset="0"/>
-              <a:buChar char="•"/>
-            </a:pPr>
-            <a:r>
-              <a:rPr lang="en-US" sz="6100" dirty="0" smtClean="0"/>
-              <a:t>Used the Twitter </a:t>
-            </a:r>
-            <a:r>
-              <a:rPr lang="en-US" sz="6100" dirty="0" err="1" smtClean="0"/>
-              <a:t>Api</a:t>
-            </a:r>
-            <a:r>
-              <a:rPr lang="en-US" sz="6100" dirty="0" smtClean="0"/>
-              <a:t> for collecting and storing data.</a:t>
-            </a:r>
-          </a:p>
-          <a:p>
-            <a:pPr marL="857250" indent="-857250">
-              <a:spcBef>
-                <a:spcPts val="0"/>
-              </a:spcBef>
-              <a:buFont typeface="Arial" panose="020B0604020202020204" pitchFamily="34" charset="0"/>
-              <a:buChar char="•"/>
-            </a:pPr>
-            <a:r>
-              <a:rPr lang="en-US" sz="6100" dirty="0" smtClean="0"/>
-              <a:t>Mathplot.lib for </a:t>
-            </a:r>
-            <a:r>
-              <a:rPr lang="en-US" sz="6100" smtClean="0"/>
-              <a:t>plotting the bar graphs.</a:t>
+            <a:r>
+              <a:rPr lang="en-US" sz="6100" dirty="0">
+                <a:hlinkClick r:id="rId3"/>
+              </a:rPr>
+              <a:t>https://github.com/44520-s19/wm-final-project-GallaPriyanka</a:t>
             </a:r>
             <a:endParaRPr lang="en-US" sz="6100" dirty="0"/>
           </a:p>
@@ -2213,18 +2211,18 @@
       </p:sp>
       <p:sp>
         <p:nvSpPr>
-          <p:cNvPr id="40" name="Text Placeholder 27"/>
-          <p:cNvSpPr>
-            <a:spLocks noGrp="1"/>
-          </p:cNvSpPr>
-          <p:nvPr>
-            <p:ph type="body" sz="quarter" idx="19"/>
-          </p:nvPr>
-        </p:nvSpPr>
-        <p:spPr>
-          <a:xfrm>
-            <a:off x="13167358" y="6400800"/>
-            <a:ext cx="18379441" cy="1143000"/>
+          <p:cNvPr id="42" name="Text Placeholder 29"/>
+          <p:cNvSpPr>
+            <a:spLocks noGrp="1"/>
+          </p:cNvSpPr>
+          <p:nvPr>
+            <p:ph type="body" sz="quarter" idx="21"/>
+          </p:nvPr>
+        </p:nvSpPr>
+        <p:spPr>
+          <a:xfrm>
+            <a:off x="33014456" y="28369260"/>
+            <a:ext cx="10058399" cy="1143000"/>
           </a:xfrm>
         </p:spPr>
         <p:txBody>
@@ -2233,7 +2231,7 @@
           <a:p>
             <a:r>
               <a:rPr lang="en-US" dirty="0" smtClean="0"/>
-              <a:t>Results</a:t>
+              <a:t>GitHub Link</a:t>
             </a:r>
             <a:endParaRPr lang="en-US" dirty="0"/>
           </a:p>
@@ -2241,18 +2239,18 @@
       </p:sp>
       <p:sp>
         <p:nvSpPr>
-          <p:cNvPr id="41" name="Text Placeholder 28"/>
-          <p:cNvSpPr>
-            <a:spLocks noGrp="1"/>
-          </p:cNvSpPr>
-          <p:nvPr>
-            <p:ph type="body" sz="quarter" idx="20"/>
-          </p:nvPr>
-        </p:nvSpPr>
-        <p:spPr>
-          <a:xfrm>
-            <a:off x="32918399" y="29512260"/>
-            <a:ext cx="10058400" cy="2857500"/>
+          <p:cNvPr id="43" name="Text Placeholder 30"/>
+          <p:cNvSpPr>
+            <a:spLocks noGrp="1"/>
+          </p:cNvSpPr>
+          <p:nvPr>
+            <p:ph type="body" sz="quarter" idx="22"/>
+          </p:nvPr>
+        </p:nvSpPr>
+        <p:spPr>
+          <a:xfrm>
+            <a:off x="13210339" y="29656396"/>
+            <a:ext cx="18336460" cy="1981008"/>
           </a:xfrm>
         </p:spPr>
         <p:txBody>
@@ -2262,66 +2260,6 @@
           <a:lstStyle/>
           <a:p>
             <a:r>
-              <a:rPr lang="en-US" sz="6100" dirty="0">
-                <a:hlinkClick r:id="rId3"/>
-              </a:rPr>
-              <a:t>https://github.com/44520-s19/wm-final-project-GallaPriyanka</a:t>
-            </a:r>
-            <a:endParaRPr lang="en-US" sz="6100" dirty="0"/>
-          </a:p>
-        </p:txBody>
-      </p:sp>
-      <p:sp>
-        <p:nvSpPr>
-          <p:cNvPr id="42" name="Text Placeholder 29"/>
-          <p:cNvSpPr>
-            <a:spLocks noGrp="1"/>
-          </p:cNvSpPr>
-          <p:nvPr>
-            <p:ph type="body" sz="quarter" idx="21"/>
-          </p:nvPr>
-        </p:nvSpPr>
-        <p:spPr>
-          <a:xfrm>
-            <a:off x="33014456" y="28369260"/>
-            <a:ext cx="10058399" cy="1143000"/>
-          </a:xfrm>
-        </p:spPr>
-        <p:txBody>
-          <a:bodyPr/>
-          <a:lstStyle/>
-          <a:p>
-            <a:r>
-              <a:rPr lang="en-US" dirty="0" smtClean="0"/>
-              <a:t>GitHub Link</a:t>
-            </a:r>
-            <a:endParaRPr lang="en-US" dirty="0"/>
-          </a:p>
-        </p:txBody>
-      </p:sp>
-      <p:sp>
-        <p:nvSpPr>
-          <p:cNvPr id="43" name="Text Placeholder 30"/>
-          <p:cNvSpPr>
-            <a:spLocks noGrp="1"/>
-          </p:cNvSpPr>
-          <p:nvPr>
-            <p:ph type="body" sz="quarter" idx="22"/>
-          </p:nvPr>
-        </p:nvSpPr>
-        <p:spPr>
-          <a:xfrm>
-            <a:off x="20948951" y="29656396"/>
-            <a:ext cx="9991351" cy="1981008"/>
-          </a:xfrm>
-        </p:spPr>
-        <p:txBody>
-          <a:bodyPr>
-            <a:normAutofit/>
-          </a:bodyPr>
-          <a:lstStyle/>
-          <a:p>
-            <a:r>
               <a:rPr lang="en-US" sz="6100" dirty="0"/>
               <a:t>Created for </a:t>
             </a:r>
@@ -2360,8 +2298,8 @@
         </p:nvSpPr>
         <p:spPr>
           <a:xfrm>
-            <a:off x="20881902" y="28386698"/>
-            <a:ext cx="10058401" cy="1143000"/>
+            <a:off x="13210338" y="28386698"/>
+            <a:ext cx="18379442" cy="1125562"/>
           </a:xfrm>
         </p:spPr>
         <p:txBody>
@@ -2573,42 +2511,6 @@
       </p:sp>
       <p:sp>
         <p:nvSpPr>
-          <p:cNvPr id="56" name="Text Placeholder 10">
-            <a:extLst>
-              <a:ext uri="{FF2B5EF4-FFF2-40B4-BE49-F238E27FC236}">
-                <a16:creationId xmlns:a16="http://schemas.microsoft.com/office/drawing/2014/main" id="{979A144C-7704-4A14-9B59-3210ADCADA06}"/>
-              </a:ext>
-            </a:extLst>
-          </p:cNvPr>
-          <p:cNvSpPr>
-            <a:spLocks noGrp="1"/>
-          </p:cNvSpPr>
-          <p:nvPr>
-            <p:ph type="body" sz="quarter" idx="17"/>
-          </p:nvPr>
-        </p:nvSpPr>
-        <p:spPr>
-          <a:xfrm>
-            <a:off x="914399" y="29461345"/>
-            <a:ext cx="18379439" cy="1143000"/>
-          </a:xfrm>
-        </p:spPr>
-        <p:txBody>
-          <a:bodyPr>
-            <a:normAutofit/>
-          </a:bodyPr>
-          <a:lstStyle/>
-          <a:p>
-            <a:r>
-              <a:rPr lang="en-US" dirty="0" smtClean="0"/>
-              <a:t>Bibliography, Additional Resources</a:t>
-            </a:r>
-            <a:endParaRPr lang="en-US" dirty="0"/>
-          </a:p>
-        </p:txBody>
-      </p:sp>
-      <p:sp>
-        <p:nvSpPr>
           <p:cNvPr id="57" name="Text Placeholder 56"/>
           <p:cNvSpPr>
             <a:spLocks noGrp="1"/>
@@ -2619,7 +2521,7 @@
         </p:nvSpPr>
         <p:spPr>
           <a:xfrm>
-            <a:off x="914399" y="18849316"/>
+            <a:off x="794398" y="21262153"/>
             <a:ext cx="10058400" cy="1143000"/>
           </a:xfrm>
         </p:spPr>
@@ -2769,7 +2671,7 @@
         </p:nvSpPr>
         <p:spPr>
           <a:xfrm>
-            <a:off x="914400" y="13788195"/>
+            <a:off x="914400" y="14579622"/>
             <a:ext cx="10058400" cy="1143000"/>
           </a:xfrm>
           <a:prstGeom prst="rect">
@@ -2973,7 +2875,7 @@
         </p:nvSpPr>
         <p:spPr>
           <a:xfrm>
-            <a:off x="914399" y="14993835"/>
+            <a:off x="914400" y="15843325"/>
             <a:ext cx="10058400" cy="3855481"/>
           </a:xfrm>
           <a:prstGeom prst="rect">
@@ -3186,6 +3088,13 @@
   <p:clrMapOvr>
     <a:masterClrMapping/>
   </p:clrMapOvr>
+  <p:timing>
+    <p:tnLst>
+      <p:par>
+        <p:cTn id="1" dur="indefinite" restart="never" nodeType="tmRoot"/>
+      </p:par>
+    </p:tnLst>
+  </p:timing>
 </p:sld>
 </file>
 
